--- a/tensorflow源码精读/image/演示文稿1.pptx
+++ b/tensorflow源码精读/image/演示文稿1.pptx
@@ -104,6 +104,11 @@
       </a:defRPr>
     </a:lvl9pPr>
   </p:defaultTextStyle>
+  <p:extLst>
+    <p:ext uri="{EFAFB233-063F-42B5-8137-9DF3F51BA10A}">
+      <p15:sldGuideLst xmlns:p15="http://schemas.microsoft.com/office/powerpoint/2012/main"/>
+    </p:ext>
+  </p:extLst>
 </p:presentation>
 </file>
 
@@ -254,7 +259,7 @@
           <a:p>
             <a:fld id="{F77808C2-D7E7-4048-B390-EB41E2967270}" type="datetimeFigureOut">
               <a:rPr lang="zh-CN" altLang="en-US" smtClean="0"/>
-              <a:t>2023/2/16</a:t>
+              <a:t>2023/2/17</a:t>
             </a:fld>
             <a:endParaRPr lang="zh-CN" altLang="en-US"/>
           </a:p>
@@ -452,7 +457,7 @@
           <a:p>
             <a:fld id="{F77808C2-D7E7-4048-B390-EB41E2967270}" type="datetimeFigureOut">
               <a:rPr lang="zh-CN" altLang="en-US" smtClean="0"/>
-              <a:t>2023/2/16</a:t>
+              <a:t>2023/2/17</a:t>
             </a:fld>
             <a:endParaRPr lang="zh-CN" altLang="en-US"/>
           </a:p>
@@ -660,7 +665,7 @@
           <a:p>
             <a:fld id="{F77808C2-D7E7-4048-B390-EB41E2967270}" type="datetimeFigureOut">
               <a:rPr lang="zh-CN" altLang="en-US" smtClean="0"/>
-              <a:t>2023/2/16</a:t>
+              <a:t>2023/2/17</a:t>
             </a:fld>
             <a:endParaRPr lang="zh-CN" altLang="en-US"/>
           </a:p>
@@ -858,7 +863,7 @@
           <a:p>
             <a:fld id="{F77808C2-D7E7-4048-B390-EB41E2967270}" type="datetimeFigureOut">
               <a:rPr lang="zh-CN" altLang="en-US" smtClean="0"/>
-              <a:t>2023/2/16</a:t>
+              <a:t>2023/2/17</a:t>
             </a:fld>
             <a:endParaRPr lang="zh-CN" altLang="en-US"/>
           </a:p>
@@ -1133,7 +1138,7 @@
           <a:p>
             <a:fld id="{F77808C2-D7E7-4048-B390-EB41E2967270}" type="datetimeFigureOut">
               <a:rPr lang="zh-CN" altLang="en-US" smtClean="0"/>
-              <a:t>2023/2/16</a:t>
+              <a:t>2023/2/17</a:t>
             </a:fld>
             <a:endParaRPr lang="zh-CN" altLang="en-US"/>
           </a:p>
@@ -1398,7 +1403,7 @@
           <a:p>
             <a:fld id="{F77808C2-D7E7-4048-B390-EB41E2967270}" type="datetimeFigureOut">
               <a:rPr lang="zh-CN" altLang="en-US" smtClean="0"/>
-              <a:t>2023/2/16</a:t>
+              <a:t>2023/2/17</a:t>
             </a:fld>
             <a:endParaRPr lang="zh-CN" altLang="en-US"/>
           </a:p>
@@ -1810,7 +1815,7 @@
           <a:p>
             <a:fld id="{F77808C2-D7E7-4048-B390-EB41E2967270}" type="datetimeFigureOut">
               <a:rPr lang="zh-CN" altLang="en-US" smtClean="0"/>
-              <a:t>2023/2/16</a:t>
+              <a:t>2023/2/17</a:t>
             </a:fld>
             <a:endParaRPr lang="zh-CN" altLang="en-US"/>
           </a:p>
@@ -1951,7 +1956,7 @@
           <a:p>
             <a:fld id="{F77808C2-D7E7-4048-B390-EB41E2967270}" type="datetimeFigureOut">
               <a:rPr lang="zh-CN" altLang="en-US" smtClean="0"/>
-              <a:t>2023/2/16</a:t>
+              <a:t>2023/2/17</a:t>
             </a:fld>
             <a:endParaRPr lang="zh-CN" altLang="en-US"/>
           </a:p>
@@ -2064,7 +2069,7 @@
           <a:p>
             <a:fld id="{F77808C2-D7E7-4048-B390-EB41E2967270}" type="datetimeFigureOut">
               <a:rPr lang="zh-CN" altLang="en-US" smtClean="0"/>
-              <a:t>2023/2/16</a:t>
+              <a:t>2023/2/17</a:t>
             </a:fld>
             <a:endParaRPr lang="zh-CN" altLang="en-US"/>
           </a:p>
@@ -2375,7 +2380,7 @@
           <a:p>
             <a:fld id="{F77808C2-D7E7-4048-B390-EB41E2967270}" type="datetimeFigureOut">
               <a:rPr lang="zh-CN" altLang="en-US" smtClean="0"/>
-              <a:t>2023/2/16</a:t>
+              <a:t>2023/2/17</a:t>
             </a:fld>
             <a:endParaRPr lang="zh-CN" altLang="en-US"/>
           </a:p>
@@ -2663,7 +2668,7 @@
           <a:p>
             <a:fld id="{F77808C2-D7E7-4048-B390-EB41E2967270}" type="datetimeFigureOut">
               <a:rPr lang="zh-CN" altLang="en-US" smtClean="0"/>
-              <a:t>2023/2/16</a:t>
+              <a:t>2023/2/17</a:t>
             </a:fld>
             <a:endParaRPr lang="zh-CN" altLang="en-US"/>
           </a:p>
@@ -2904,7 +2909,7 @@
           <a:p>
             <a:fld id="{F77808C2-D7E7-4048-B390-EB41E2967270}" type="datetimeFigureOut">
               <a:rPr lang="zh-CN" altLang="en-US" smtClean="0"/>
-              <a:t>2023/2/16</a:t>
+              <a:t>2023/2/17</a:t>
             </a:fld>
             <a:endParaRPr lang="zh-CN" altLang="en-US"/>
           </a:p>
@@ -3335,7 +3340,7 @@
         </p:nvSpPr>
         <p:spPr>
           <a:xfrm>
-            <a:off x="1725949" y="949756"/>
+            <a:off x="1725949" y="879945"/>
             <a:ext cx="1457069" cy="355900"/>
           </a:xfrm>
           <a:prstGeom prst="rect">
@@ -3407,7 +3412,7 @@
         </p:nvSpPr>
         <p:spPr>
           <a:xfrm>
-            <a:off x="435800" y="1701689"/>
+            <a:off x="435800" y="1467494"/>
             <a:ext cx="4037368" cy="276999"/>
           </a:xfrm>
           <a:prstGeom prst="rect">
@@ -3503,7 +3508,7 @@
         </p:nvSpPr>
         <p:spPr>
           <a:xfrm>
-            <a:off x="933823" y="2541854"/>
+            <a:off x="933823" y="2009713"/>
             <a:ext cx="3041320" cy="276999"/>
           </a:xfrm>
           <a:prstGeom prst="rect">
@@ -3571,8 +3576,8 @@
         </p:nvCxnSpPr>
         <p:spPr>
           <a:xfrm>
-            <a:off x="2454484" y="1305656"/>
-            <a:ext cx="0" cy="396033"/>
+            <a:off x="2454484" y="1235845"/>
+            <a:ext cx="0" cy="231649"/>
           </a:xfrm>
           <a:prstGeom prst="straightConnector1">
             <a:avLst/>
@@ -3613,8 +3618,8 @@
         </p:nvCxnSpPr>
         <p:spPr>
           <a:xfrm flipH="1">
-            <a:off x="2454483" y="1978688"/>
-            <a:ext cx="1" cy="563166"/>
+            <a:off x="2454483" y="1744493"/>
+            <a:ext cx="1" cy="265220"/>
           </a:xfrm>
           <a:prstGeom prst="straightConnector1">
             <a:avLst/>
@@ -3652,7 +3657,7 @@
         </p:nvSpPr>
         <p:spPr>
           <a:xfrm>
-            <a:off x="6663267" y="2541853"/>
+            <a:off x="6663267" y="2009712"/>
             <a:ext cx="4504267" cy="276999"/>
           </a:xfrm>
           <a:prstGeom prst="rect">
@@ -3671,6 +3676,7 @@
           </a:bodyPr>
           <a:lstStyle/>
           <a:p>
+            <a:pPr algn="ctr"/>
             <a:r>
               <a:rPr lang="en-US" altLang="zh-CN" sz="1200" b="0" dirty="0" err="1">
                 <a:effectLst/>
@@ -3733,7 +3739,7 @@
         </p:nvCxnSpPr>
         <p:spPr>
           <a:xfrm flipV="1">
-            <a:off x="3975143" y="2680353"/>
+            <a:off x="3975143" y="2148212"/>
             <a:ext cx="2688124" cy="1"/>
           </a:xfrm>
           <a:prstGeom prst="straightConnector1">
@@ -3772,7 +3778,7 @@
         </p:nvSpPr>
         <p:spPr>
           <a:xfrm>
-            <a:off x="4834934" y="2311020"/>
+            <a:off x="4834934" y="1778879"/>
             <a:ext cx="1244600" cy="276999"/>
           </a:xfrm>
           <a:prstGeom prst="rect">
@@ -3808,7 +3814,7 @@
         </p:nvSpPr>
         <p:spPr>
           <a:xfrm>
-            <a:off x="1253067" y="3409665"/>
+            <a:off x="1879789" y="2661768"/>
             <a:ext cx="1929951" cy="276999"/>
           </a:xfrm>
           <a:prstGeom prst="rect">
@@ -3850,7 +3856,7 @@
         </p:nvSpPr>
         <p:spPr>
           <a:xfrm>
-            <a:off x="588208" y="4021621"/>
+            <a:off x="1214930" y="3273724"/>
             <a:ext cx="3259667" cy="276999"/>
           </a:xfrm>
           <a:prstGeom prst="rect">
@@ -3908,7 +3914,7 @@
         </p:nvCxnSpPr>
         <p:spPr>
           <a:xfrm flipH="1">
-            <a:off x="2218042" y="3686664"/>
+            <a:off x="2844764" y="2938767"/>
             <a:ext cx="1" cy="334957"/>
           </a:xfrm>
           <a:prstGeom prst="straightConnector1">
@@ -3947,7 +3953,7 @@
         </p:nvSpPr>
         <p:spPr>
           <a:xfrm>
-            <a:off x="2454483" y="4888319"/>
+            <a:off x="3081205" y="4140422"/>
             <a:ext cx="2929467" cy="646331"/>
           </a:xfrm>
           <a:prstGeom prst="rect">
@@ -4033,7 +4039,7 @@
         </p:nvCxnSpPr>
         <p:spPr>
           <a:xfrm>
-            <a:off x="2218042" y="4298620"/>
+            <a:off x="2844764" y="3550723"/>
             <a:ext cx="1701175" cy="589699"/>
           </a:xfrm>
           <a:prstGeom prst="straightConnector1">
@@ -4072,7 +4078,7 @@
         </p:nvSpPr>
         <p:spPr>
           <a:xfrm>
-            <a:off x="7247468" y="4769453"/>
+            <a:off x="7874190" y="4021556"/>
             <a:ext cx="2688124" cy="276999"/>
           </a:xfrm>
           <a:prstGeom prst="rect">
@@ -4151,7 +4157,7 @@
         </p:nvCxnSpPr>
         <p:spPr>
           <a:xfrm flipV="1">
-            <a:off x="5383950" y="4907953"/>
+            <a:off x="6010672" y="4160056"/>
             <a:ext cx="1863518" cy="303532"/>
           </a:xfrm>
           <a:prstGeom prst="straightConnector1">
@@ -4190,7 +4196,7 @@
         </p:nvSpPr>
         <p:spPr>
           <a:xfrm>
-            <a:off x="118082" y="5085889"/>
+            <a:off x="744804" y="4337992"/>
             <a:ext cx="2099959" cy="276999"/>
           </a:xfrm>
           <a:prstGeom prst="rect">
@@ -4248,7 +4254,7 @@
         </p:nvCxnSpPr>
         <p:spPr>
           <a:xfrm flipH="1">
-            <a:off x="1168062" y="4298620"/>
+            <a:off x="1794784" y="3550723"/>
             <a:ext cx="1049980" cy="787269"/>
           </a:xfrm>
           <a:prstGeom prst="straightConnector1">
@@ -4287,7 +4293,7 @@
         </p:nvSpPr>
         <p:spPr>
           <a:xfrm>
-            <a:off x="524532" y="6011657"/>
+            <a:off x="829807" y="5178157"/>
             <a:ext cx="1929951" cy="276999"/>
           </a:xfrm>
           <a:prstGeom prst="rect">
@@ -4313,6 +4319,823 @@
                 <a:latin typeface="Consolas" panose="020B0609020204030204" pitchFamily="49" charset="0"/>
               </a:rPr>
               <a:t>ret = Operation</a:t>
+            </a:r>
+          </a:p>
+        </p:txBody>
+      </p:sp>
+      <p:cxnSp>
+        <p:nvCxnSpPr>
+          <p:cNvPr id="3" name="直线箭头连接符 2">
+            <a:extLst>
+              <a:ext uri="{FF2B5EF4-FFF2-40B4-BE49-F238E27FC236}">
+                <a16:creationId xmlns:a16="http://schemas.microsoft.com/office/drawing/2014/main" id="{D8AF5389-8DAA-9742-8EE1-22704F6E337E}"/>
+              </a:ext>
+            </a:extLst>
+          </p:cNvPr>
+          <p:cNvCxnSpPr>
+            <a:stCxn id="38" idx="2"/>
+            <a:endCxn id="44" idx="0"/>
+          </p:cNvCxnSpPr>
+          <p:nvPr/>
+        </p:nvCxnSpPr>
+        <p:spPr>
+          <a:xfrm flipH="1">
+            <a:off x="1794783" y="4614991"/>
+            <a:ext cx="1" cy="563166"/>
+          </a:xfrm>
+          <a:prstGeom prst="straightConnector1">
+            <a:avLst/>
+          </a:prstGeom>
+          <a:ln>
+            <a:tailEnd type="triangle"/>
+          </a:ln>
+        </p:spPr>
+        <p:style>
+          <a:lnRef idx="1">
+            <a:schemeClr val="accent1"/>
+          </a:lnRef>
+          <a:fillRef idx="0">
+            <a:schemeClr val="accent1"/>
+          </a:fillRef>
+          <a:effectRef idx="0">
+            <a:schemeClr val="accent1"/>
+          </a:effectRef>
+          <a:fontRef idx="minor">
+            <a:schemeClr val="tx1"/>
+          </a:fontRef>
+        </p:style>
+      </p:cxnSp>
+      <p:sp>
+        <p:nvSpPr>
+          <p:cNvPr id="23" name="文本框 22">
+            <a:extLst>
+              <a:ext uri="{FF2B5EF4-FFF2-40B4-BE49-F238E27FC236}">
+                <a16:creationId xmlns:a16="http://schemas.microsoft.com/office/drawing/2014/main" id="{980046C8-E0B5-213A-C9C5-86E44CDD25D3}"/>
+              </a:ext>
+            </a:extLst>
+          </p:cNvPr>
+          <p:cNvSpPr txBox="1"/>
+          <p:nvPr/>
+        </p:nvSpPr>
+        <p:spPr>
+          <a:xfrm>
+            <a:off x="807156" y="6018322"/>
+            <a:ext cx="3248566" cy="461665"/>
+          </a:xfrm>
+          <a:prstGeom prst="rect">
+            <a:avLst/>
+          </a:prstGeom>
+          <a:noFill/>
+          <a:ln>
+            <a:solidFill>
+              <a:schemeClr val="tx1"/>
+            </a:solidFill>
+          </a:ln>
+        </p:spPr>
+        <p:txBody>
+          <a:bodyPr wrap="square">
+            <a:spAutoFit/>
+          </a:bodyPr>
+          <a:lstStyle/>
+          <a:p>
+            <a:r>
+              <a:rPr lang="en" altLang="zh-CN" sz="1200" b="0" dirty="0">
+                <a:effectLst/>
+                <a:latin typeface="Menlo" panose="020B0609030804020204" pitchFamily="49" charset="0"/>
+              </a:rPr>
+              <a:t>_</a:t>
+            </a:r>
+            <a:r>
+              <a:rPr lang="en" altLang="zh-CN" sz="1200" b="0" dirty="0" err="1">
+                <a:effectLst/>
+                <a:latin typeface="Menlo" panose="020B0609030804020204" pitchFamily="49" charset="0"/>
+              </a:rPr>
+              <a:t>create_c_op</a:t>
+            </a:r>
+            <a:r>
+              <a:rPr lang="en" altLang="zh-CN" sz="1200" b="0" dirty="0">
+                <a:effectLst/>
+                <a:latin typeface="Menlo" panose="020B0609030804020204" pitchFamily="49" charset="0"/>
+              </a:rPr>
+              <a:t>(g, </a:t>
+            </a:r>
+            <a:r>
+              <a:rPr lang="en" altLang="zh-CN" sz="1200" b="0" dirty="0" err="1">
+                <a:effectLst/>
+                <a:latin typeface="Menlo" panose="020B0609030804020204" pitchFamily="49" charset="0"/>
+              </a:rPr>
+              <a:t>node_def</a:t>
+            </a:r>
+            <a:r>
+              <a:rPr lang="en" altLang="zh-CN" sz="1200" b="0" dirty="0">
+                <a:effectLst/>
+                <a:latin typeface="Menlo" panose="020B0609030804020204" pitchFamily="49" charset="0"/>
+              </a:rPr>
+              <a:t>, inputs, </a:t>
+            </a:r>
+            <a:r>
+              <a:rPr lang="en" altLang="zh-CN" sz="1200" b="0" dirty="0" err="1">
+                <a:effectLst/>
+                <a:latin typeface="Menlo" panose="020B0609030804020204" pitchFamily="49" charset="0"/>
+              </a:rPr>
+              <a:t>control_input_ops</a:t>
+            </a:r>
+            <a:r>
+              <a:rPr lang="en" altLang="zh-CN" sz="1200" b="0" dirty="0">
+                <a:effectLst/>
+                <a:latin typeface="Menlo" panose="020B0609030804020204" pitchFamily="49" charset="0"/>
+              </a:rPr>
+              <a:t>, </a:t>
+            </a:r>
+            <a:r>
+              <a:rPr lang="en" altLang="zh-CN" sz="1200" b="0" dirty="0" err="1">
+                <a:effectLst/>
+                <a:latin typeface="Menlo" panose="020B0609030804020204" pitchFamily="49" charset="0"/>
+              </a:rPr>
+              <a:t>op_def</a:t>
+            </a:r>
+            <a:r>
+              <a:rPr lang="en" altLang="zh-CN" sz="1200" b="0" dirty="0">
+                <a:effectLst/>
+                <a:latin typeface="Menlo" panose="020B0609030804020204" pitchFamily="49" charset="0"/>
+              </a:rPr>
+              <a:t>=</a:t>
+            </a:r>
+            <a:r>
+              <a:rPr lang="en" altLang="zh-CN" sz="1200" b="0" dirty="0" err="1">
+                <a:effectLst/>
+                <a:latin typeface="Menlo" panose="020B0609030804020204" pitchFamily="49" charset="0"/>
+              </a:rPr>
+              <a:t>op_def</a:t>
+            </a:r>
+            <a:r>
+              <a:rPr lang="en" altLang="zh-CN" sz="1200" b="0" dirty="0">
+                <a:effectLst/>
+                <a:latin typeface="Menlo" panose="020B0609030804020204" pitchFamily="49" charset="0"/>
+              </a:rPr>
+              <a:t>)</a:t>
+            </a:r>
+          </a:p>
+        </p:txBody>
+      </p:sp>
+      <p:cxnSp>
+        <p:nvCxnSpPr>
+          <p:cNvPr id="10" name="直线箭头连接符 9">
+            <a:extLst>
+              <a:ext uri="{FF2B5EF4-FFF2-40B4-BE49-F238E27FC236}">
+                <a16:creationId xmlns:a16="http://schemas.microsoft.com/office/drawing/2014/main" id="{94D9BC94-EA54-A932-8658-03443CB1F59A}"/>
+              </a:ext>
+            </a:extLst>
+          </p:cNvPr>
+          <p:cNvCxnSpPr>
+            <a:stCxn id="44" idx="2"/>
+            <a:endCxn id="23" idx="0"/>
+          </p:cNvCxnSpPr>
+          <p:nvPr/>
+        </p:nvCxnSpPr>
+        <p:spPr>
+          <a:xfrm>
+            <a:off x="1794783" y="5455156"/>
+            <a:ext cx="636656" cy="563166"/>
+          </a:xfrm>
+          <a:prstGeom prst="straightConnector1">
+            <a:avLst/>
+          </a:prstGeom>
+          <a:ln>
+            <a:tailEnd type="triangle"/>
+          </a:ln>
+        </p:spPr>
+        <p:style>
+          <a:lnRef idx="1">
+            <a:schemeClr val="accent1"/>
+          </a:lnRef>
+          <a:fillRef idx="0">
+            <a:schemeClr val="accent1"/>
+          </a:fillRef>
+          <a:effectRef idx="0">
+            <a:schemeClr val="accent1"/>
+          </a:effectRef>
+          <a:fontRef idx="minor">
+            <a:schemeClr val="tx1"/>
+          </a:fontRef>
+        </p:style>
+      </p:cxnSp>
+      <p:sp>
+        <p:nvSpPr>
+          <p:cNvPr id="28" name="文本框 27">
+            <a:extLst>
+              <a:ext uri="{FF2B5EF4-FFF2-40B4-BE49-F238E27FC236}">
+                <a16:creationId xmlns:a16="http://schemas.microsoft.com/office/drawing/2014/main" id="{E1BD47DD-C0A4-1C97-4B8A-7981D0D0565B}"/>
+              </a:ext>
+            </a:extLst>
+          </p:cNvPr>
+          <p:cNvSpPr txBox="1"/>
+          <p:nvPr/>
+        </p:nvSpPr>
+        <p:spPr>
+          <a:xfrm>
+            <a:off x="7937427" y="5633896"/>
+            <a:ext cx="2973012" cy="276999"/>
+          </a:xfrm>
+          <a:prstGeom prst="rect">
+            <a:avLst/>
+          </a:prstGeom>
+          <a:noFill/>
+          <a:ln>
+            <a:solidFill>
+              <a:schemeClr val="tx1"/>
+            </a:solidFill>
+          </a:ln>
+        </p:spPr>
+        <p:txBody>
+          <a:bodyPr wrap="square">
+            <a:spAutoFit/>
+          </a:bodyPr>
+          <a:lstStyle/>
+          <a:p>
+            <a:pPr algn="ctr"/>
+            <a:r>
+              <a:rPr lang="en" altLang="zh-CN" sz="1200" b="0" dirty="0" err="1">
+                <a:effectLst/>
+                <a:latin typeface="Menlo" panose="020B0609030804020204" pitchFamily="49" charset="0"/>
+              </a:rPr>
+              <a:t>pywrap_tf_session.TF_SetDevice</a:t>
+            </a:r>
+            <a:endParaRPr lang="en" altLang="zh-CN" sz="1200" b="0" dirty="0">
+              <a:effectLst/>
+              <a:latin typeface="Menlo" panose="020B0609030804020204" pitchFamily="49" charset="0"/>
+            </a:endParaRPr>
+          </a:p>
+        </p:txBody>
+      </p:sp>
+      <p:sp>
+        <p:nvSpPr>
+          <p:cNvPr id="29" name="文本框 28">
+            <a:extLst>
+              <a:ext uri="{FF2B5EF4-FFF2-40B4-BE49-F238E27FC236}">
+                <a16:creationId xmlns:a16="http://schemas.microsoft.com/office/drawing/2014/main" id="{C36392E4-F261-011D-E131-400E23E76FFF}"/>
+              </a:ext>
+            </a:extLst>
+          </p:cNvPr>
+          <p:cNvSpPr txBox="1"/>
+          <p:nvPr/>
+        </p:nvSpPr>
+        <p:spPr>
+          <a:xfrm>
+            <a:off x="8568947" y="5323411"/>
+            <a:ext cx="1473219" cy="276999"/>
+          </a:xfrm>
+          <a:prstGeom prst="rect">
+            <a:avLst/>
+          </a:prstGeom>
+          <a:noFill/>
+          <a:ln>
+            <a:solidFill>
+              <a:schemeClr val="tx1"/>
+            </a:solidFill>
+          </a:ln>
+        </p:spPr>
+        <p:txBody>
+          <a:bodyPr wrap="square">
+            <a:spAutoFit/>
+          </a:bodyPr>
+          <a:lstStyle/>
+          <a:p>
+            <a:pPr algn="ctr"/>
+            <a:r>
+              <a:rPr lang="en" altLang="zh-CN" sz="1200" b="0" dirty="0" err="1">
+                <a:effectLst/>
+                <a:latin typeface="Menlo" panose="020B0609030804020204" pitchFamily="49" charset="0"/>
+              </a:rPr>
+              <a:t>TF_AddInput</a:t>
+            </a:r>
+            <a:endParaRPr lang="en" altLang="zh-CN" sz="1200" b="0" dirty="0">
+              <a:effectLst/>
+              <a:latin typeface="Menlo" panose="020B0609030804020204" pitchFamily="49" charset="0"/>
+            </a:endParaRPr>
+          </a:p>
+        </p:txBody>
+      </p:sp>
+      <p:sp>
+        <p:nvSpPr>
+          <p:cNvPr id="31" name="文本框 30">
+            <a:extLst>
+              <a:ext uri="{FF2B5EF4-FFF2-40B4-BE49-F238E27FC236}">
+                <a16:creationId xmlns:a16="http://schemas.microsoft.com/office/drawing/2014/main" id="{DE07835A-37A7-03D2-86AA-1EFA7FE798DC}"/>
+              </a:ext>
+            </a:extLst>
+          </p:cNvPr>
+          <p:cNvSpPr txBox="1"/>
+          <p:nvPr/>
+        </p:nvSpPr>
+        <p:spPr>
+          <a:xfrm>
+            <a:off x="8253702" y="5016028"/>
+            <a:ext cx="2103710" cy="276999"/>
+          </a:xfrm>
+          <a:prstGeom prst="rect">
+            <a:avLst/>
+          </a:prstGeom>
+          <a:noFill/>
+          <a:ln>
+            <a:solidFill>
+              <a:schemeClr val="tx1"/>
+            </a:solidFill>
+          </a:ln>
+        </p:spPr>
+        <p:txBody>
+          <a:bodyPr wrap="square">
+            <a:spAutoFit/>
+          </a:bodyPr>
+          <a:lstStyle/>
+          <a:p>
+            <a:pPr algn="ctr"/>
+            <a:r>
+              <a:rPr lang="en" altLang="zh-CN" sz="1200" b="0" dirty="0" err="1">
+                <a:effectLst/>
+                <a:latin typeface="Menlo" panose="020B0609030804020204" pitchFamily="49" charset="0"/>
+              </a:rPr>
+              <a:t>TF_AddInputList</a:t>
+            </a:r>
+            <a:endParaRPr lang="en" altLang="zh-CN" sz="1200" b="0" dirty="0">
+              <a:effectLst/>
+              <a:latin typeface="Menlo" panose="020B0609030804020204" pitchFamily="49" charset="0"/>
+            </a:endParaRPr>
+          </a:p>
+        </p:txBody>
+      </p:sp>
+      <p:sp>
+        <p:nvSpPr>
+          <p:cNvPr id="33" name="文本框 32">
+            <a:extLst>
+              <a:ext uri="{FF2B5EF4-FFF2-40B4-BE49-F238E27FC236}">
+                <a16:creationId xmlns:a16="http://schemas.microsoft.com/office/drawing/2014/main" id="{E40DBDF6-8E19-E1AA-16F7-BF9084832965}"/>
+              </a:ext>
+            </a:extLst>
+          </p:cNvPr>
+          <p:cNvSpPr txBox="1"/>
+          <p:nvPr/>
+        </p:nvSpPr>
+        <p:spPr>
+          <a:xfrm>
+            <a:off x="8188865" y="4683435"/>
+            <a:ext cx="2233385" cy="276999"/>
+          </a:xfrm>
+          <a:prstGeom prst="rect">
+            <a:avLst/>
+          </a:prstGeom>
+          <a:noFill/>
+          <a:ln>
+            <a:solidFill>
+              <a:schemeClr val="tx1"/>
+            </a:solidFill>
+          </a:ln>
+        </p:spPr>
+        <p:txBody>
+          <a:bodyPr wrap="square">
+            <a:spAutoFit/>
+          </a:bodyPr>
+          <a:lstStyle/>
+          <a:p>
+            <a:pPr algn="ctr"/>
+            <a:r>
+              <a:rPr lang="en" altLang="zh-CN" sz="1200" b="0" dirty="0" err="1">
+                <a:effectLst/>
+                <a:latin typeface="Menlo" panose="020B0609030804020204" pitchFamily="49" charset="0"/>
+              </a:rPr>
+              <a:t>TF_AddControlInput</a:t>
+            </a:r>
+            <a:endParaRPr lang="en" altLang="zh-CN" sz="1200" b="0" dirty="0">
+              <a:effectLst/>
+              <a:latin typeface="Menlo" panose="020B0609030804020204" pitchFamily="49" charset="0"/>
+            </a:endParaRPr>
+          </a:p>
+        </p:txBody>
+      </p:sp>
+      <p:sp>
+        <p:nvSpPr>
+          <p:cNvPr id="35" name="文本框 34">
+            <a:extLst>
+              <a:ext uri="{FF2B5EF4-FFF2-40B4-BE49-F238E27FC236}">
+                <a16:creationId xmlns:a16="http://schemas.microsoft.com/office/drawing/2014/main" id="{A8DC356B-7789-18AE-F633-02E2C80F6C0C}"/>
+              </a:ext>
+            </a:extLst>
+          </p:cNvPr>
+          <p:cNvSpPr txBox="1"/>
+          <p:nvPr/>
+        </p:nvSpPr>
+        <p:spPr>
+          <a:xfrm>
+            <a:off x="8011608" y="5952741"/>
+            <a:ext cx="2587895" cy="276999"/>
+          </a:xfrm>
+          <a:prstGeom prst="rect">
+            <a:avLst/>
+          </a:prstGeom>
+          <a:noFill/>
+          <a:ln>
+            <a:solidFill>
+              <a:schemeClr val="tx1"/>
+            </a:solidFill>
+          </a:ln>
+        </p:spPr>
+        <p:txBody>
+          <a:bodyPr wrap="square">
+            <a:spAutoFit/>
+          </a:bodyPr>
+          <a:lstStyle/>
+          <a:p>
+            <a:pPr algn="ctr"/>
+            <a:r>
+              <a:rPr lang="en" altLang="zh-CN" sz="1200" b="0" dirty="0" err="1">
+                <a:effectLst/>
+                <a:latin typeface="Menlo" panose="020B0609030804020204" pitchFamily="49" charset="0"/>
+              </a:rPr>
+              <a:t>TF_SetAttrValueProto</a:t>
+            </a:r>
+            <a:endParaRPr lang="en" altLang="zh-CN" sz="1200" b="0" dirty="0">
+              <a:effectLst/>
+              <a:latin typeface="Menlo" panose="020B0609030804020204" pitchFamily="49" charset="0"/>
+            </a:endParaRPr>
+          </a:p>
+        </p:txBody>
+      </p:sp>
+      <p:sp>
+        <p:nvSpPr>
+          <p:cNvPr id="37" name="文本框 36">
+            <a:extLst>
+              <a:ext uri="{FF2B5EF4-FFF2-40B4-BE49-F238E27FC236}">
+                <a16:creationId xmlns:a16="http://schemas.microsoft.com/office/drawing/2014/main" id="{096403C4-ADD5-2DBE-1234-B743FC23CA16}"/>
+              </a:ext>
+            </a:extLst>
+          </p:cNvPr>
+          <p:cNvSpPr txBox="1"/>
+          <p:nvPr/>
+        </p:nvSpPr>
+        <p:spPr>
+          <a:xfrm>
+            <a:off x="8102359" y="6341222"/>
+            <a:ext cx="2406391" cy="276999"/>
+          </a:xfrm>
+          <a:prstGeom prst="rect">
+            <a:avLst/>
+          </a:prstGeom>
+          <a:noFill/>
+          <a:ln>
+            <a:solidFill>
+              <a:schemeClr val="tx1"/>
+            </a:solidFill>
+          </a:ln>
+        </p:spPr>
+        <p:txBody>
+          <a:bodyPr wrap="square">
+            <a:spAutoFit/>
+          </a:bodyPr>
+          <a:lstStyle/>
+          <a:p>
+            <a:pPr algn="ctr"/>
+            <a:r>
+              <a:rPr lang="en" altLang="zh-CN" sz="1200" b="0" dirty="0" err="1">
+                <a:effectLst/>
+                <a:latin typeface="Menlo" panose="020B0609030804020204" pitchFamily="49" charset="0"/>
+              </a:rPr>
+              <a:t>TF_FinishOperation</a:t>
+            </a:r>
+            <a:endParaRPr lang="en" altLang="zh-CN" sz="1200" b="0" dirty="0">
+              <a:effectLst/>
+              <a:latin typeface="Menlo" panose="020B0609030804020204" pitchFamily="49" charset="0"/>
+            </a:endParaRPr>
+          </a:p>
+        </p:txBody>
+      </p:sp>
+      <p:cxnSp>
+        <p:nvCxnSpPr>
+          <p:cNvPr id="34" name="直线箭头连接符 33">
+            <a:extLst>
+              <a:ext uri="{FF2B5EF4-FFF2-40B4-BE49-F238E27FC236}">
+                <a16:creationId xmlns:a16="http://schemas.microsoft.com/office/drawing/2014/main" id="{FB81A287-3B97-71DC-25B1-12A702677094}"/>
+              </a:ext>
+            </a:extLst>
+          </p:cNvPr>
+          <p:cNvCxnSpPr>
+            <a:stCxn id="23" idx="3"/>
+            <a:endCxn id="33" idx="1"/>
+          </p:cNvCxnSpPr>
+          <p:nvPr/>
+        </p:nvCxnSpPr>
+        <p:spPr>
+          <a:xfrm flipV="1">
+            <a:off x="4055722" y="4821935"/>
+            <a:ext cx="4133143" cy="1427220"/>
+          </a:xfrm>
+          <a:prstGeom prst="straightConnector1">
+            <a:avLst/>
+          </a:prstGeom>
+          <a:ln>
+            <a:tailEnd type="triangle"/>
+          </a:ln>
+        </p:spPr>
+        <p:style>
+          <a:lnRef idx="1">
+            <a:schemeClr val="accent1"/>
+          </a:lnRef>
+          <a:fillRef idx="0">
+            <a:schemeClr val="accent1"/>
+          </a:fillRef>
+          <a:effectRef idx="0">
+            <a:schemeClr val="accent1"/>
+          </a:effectRef>
+          <a:fontRef idx="minor">
+            <a:schemeClr val="tx1"/>
+          </a:fontRef>
+        </p:style>
+      </p:cxnSp>
+      <p:cxnSp>
+        <p:nvCxnSpPr>
+          <p:cNvPr id="39" name="直线箭头连接符 38">
+            <a:extLst>
+              <a:ext uri="{FF2B5EF4-FFF2-40B4-BE49-F238E27FC236}">
+                <a16:creationId xmlns:a16="http://schemas.microsoft.com/office/drawing/2014/main" id="{BA862576-75FA-5F14-6CF4-36336936E2A3}"/>
+              </a:ext>
+            </a:extLst>
+          </p:cNvPr>
+          <p:cNvCxnSpPr>
+            <a:stCxn id="23" idx="3"/>
+            <a:endCxn id="37" idx="1"/>
+          </p:cNvCxnSpPr>
+          <p:nvPr/>
+        </p:nvCxnSpPr>
+        <p:spPr>
+          <a:xfrm>
+            <a:off x="4055722" y="6249155"/>
+            <a:ext cx="4046637" cy="230567"/>
+          </a:xfrm>
+          <a:prstGeom prst="straightConnector1">
+            <a:avLst/>
+          </a:prstGeom>
+          <a:ln>
+            <a:tailEnd type="triangle"/>
+          </a:ln>
+        </p:spPr>
+        <p:style>
+          <a:lnRef idx="1">
+            <a:schemeClr val="accent1"/>
+          </a:lnRef>
+          <a:fillRef idx="0">
+            <a:schemeClr val="accent1"/>
+          </a:fillRef>
+          <a:effectRef idx="0">
+            <a:schemeClr val="accent1"/>
+          </a:effectRef>
+          <a:fontRef idx="minor">
+            <a:schemeClr val="tx1"/>
+          </a:fontRef>
+        </p:style>
+      </p:cxnSp>
+      <p:cxnSp>
+        <p:nvCxnSpPr>
+          <p:cNvPr id="41" name="直线箭头连接符 40">
+            <a:extLst>
+              <a:ext uri="{FF2B5EF4-FFF2-40B4-BE49-F238E27FC236}">
+                <a16:creationId xmlns:a16="http://schemas.microsoft.com/office/drawing/2014/main" id="{F28A973B-4AE3-788D-D227-EFC5A3F0224C}"/>
+              </a:ext>
+            </a:extLst>
+          </p:cNvPr>
+          <p:cNvCxnSpPr>
+            <a:stCxn id="23" idx="3"/>
+            <a:endCxn id="31" idx="1"/>
+          </p:cNvCxnSpPr>
+          <p:nvPr/>
+        </p:nvCxnSpPr>
+        <p:spPr>
+          <a:xfrm flipV="1">
+            <a:off x="4055722" y="5154528"/>
+            <a:ext cx="4197980" cy="1094627"/>
+          </a:xfrm>
+          <a:prstGeom prst="straightConnector1">
+            <a:avLst/>
+          </a:prstGeom>
+          <a:ln>
+            <a:tailEnd type="triangle"/>
+          </a:ln>
+        </p:spPr>
+        <p:style>
+          <a:lnRef idx="1">
+            <a:schemeClr val="accent1"/>
+          </a:lnRef>
+          <a:fillRef idx="0">
+            <a:schemeClr val="accent1"/>
+          </a:fillRef>
+          <a:effectRef idx="0">
+            <a:schemeClr val="accent1"/>
+          </a:effectRef>
+          <a:fontRef idx="minor">
+            <a:schemeClr val="tx1"/>
+          </a:fontRef>
+        </p:style>
+      </p:cxnSp>
+      <p:cxnSp>
+        <p:nvCxnSpPr>
+          <p:cNvPr id="45" name="直线箭头连接符 44">
+            <a:extLst>
+              <a:ext uri="{FF2B5EF4-FFF2-40B4-BE49-F238E27FC236}">
+                <a16:creationId xmlns:a16="http://schemas.microsoft.com/office/drawing/2014/main" id="{F3EBF654-6E33-5764-9B12-6D8465001C06}"/>
+              </a:ext>
+            </a:extLst>
+          </p:cNvPr>
+          <p:cNvCxnSpPr>
+            <a:cxnSpLocks/>
+            <a:stCxn id="23" idx="3"/>
+            <a:endCxn id="28" idx="1"/>
+          </p:cNvCxnSpPr>
+          <p:nvPr/>
+        </p:nvCxnSpPr>
+        <p:spPr>
+          <a:xfrm flipV="1">
+            <a:off x="4055722" y="5772396"/>
+            <a:ext cx="3881705" cy="476759"/>
+          </a:xfrm>
+          <a:prstGeom prst="straightConnector1">
+            <a:avLst/>
+          </a:prstGeom>
+          <a:ln>
+            <a:tailEnd type="triangle"/>
+          </a:ln>
+        </p:spPr>
+        <p:style>
+          <a:lnRef idx="1">
+            <a:schemeClr val="accent1"/>
+          </a:lnRef>
+          <a:fillRef idx="0">
+            <a:schemeClr val="accent1"/>
+          </a:fillRef>
+          <a:effectRef idx="0">
+            <a:schemeClr val="accent1"/>
+          </a:effectRef>
+          <a:fontRef idx="minor">
+            <a:schemeClr val="tx1"/>
+          </a:fontRef>
+        </p:style>
+      </p:cxnSp>
+      <p:cxnSp>
+        <p:nvCxnSpPr>
+          <p:cNvPr id="47" name="直线箭头连接符 46">
+            <a:extLst>
+              <a:ext uri="{FF2B5EF4-FFF2-40B4-BE49-F238E27FC236}">
+                <a16:creationId xmlns:a16="http://schemas.microsoft.com/office/drawing/2014/main" id="{7F4B3C25-9669-AC08-37DC-7C2C385BD086}"/>
+              </a:ext>
+            </a:extLst>
+          </p:cNvPr>
+          <p:cNvCxnSpPr>
+            <a:stCxn id="23" idx="3"/>
+            <a:endCxn id="35" idx="1"/>
+          </p:cNvCxnSpPr>
+          <p:nvPr/>
+        </p:nvCxnSpPr>
+        <p:spPr>
+          <a:xfrm flipV="1">
+            <a:off x="4055722" y="6091241"/>
+            <a:ext cx="3955886" cy="157914"/>
+          </a:xfrm>
+          <a:prstGeom prst="straightConnector1">
+            <a:avLst/>
+          </a:prstGeom>
+          <a:ln>
+            <a:tailEnd type="triangle"/>
+          </a:ln>
+        </p:spPr>
+        <p:style>
+          <a:lnRef idx="1">
+            <a:schemeClr val="accent1"/>
+          </a:lnRef>
+          <a:fillRef idx="0">
+            <a:schemeClr val="accent1"/>
+          </a:fillRef>
+          <a:effectRef idx="0">
+            <a:schemeClr val="accent1"/>
+          </a:effectRef>
+          <a:fontRef idx="minor">
+            <a:schemeClr val="tx1"/>
+          </a:fontRef>
+        </p:style>
+      </p:cxnSp>
+      <p:cxnSp>
+        <p:nvCxnSpPr>
+          <p:cNvPr id="49" name="直线箭头连接符 48">
+            <a:extLst>
+              <a:ext uri="{FF2B5EF4-FFF2-40B4-BE49-F238E27FC236}">
+                <a16:creationId xmlns:a16="http://schemas.microsoft.com/office/drawing/2014/main" id="{1F3CAAC6-CB97-A80F-BDC6-A1A9EBC562D0}"/>
+              </a:ext>
+            </a:extLst>
+          </p:cNvPr>
+          <p:cNvCxnSpPr>
+            <a:cxnSpLocks/>
+            <a:stCxn id="23" idx="3"/>
+            <a:endCxn id="29" idx="1"/>
+          </p:cNvCxnSpPr>
+          <p:nvPr/>
+        </p:nvCxnSpPr>
+        <p:spPr>
+          <a:xfrm flipV="1">
+            <a:off x="4055722" y="5461911"/>
+            <a:ext cx="4513225" cy="787244"/>
+          </a:xfrm>
+          <a:prstGeom prst="straightConnector1">
+            <a:avLst/>
+          </a:prstGeom>
+          <a:ln>
+            <a:tailEnd type="triangle"/>
+          </a:ln>
+        </p:spPr>
+        <p:style>
+          <a:lnRef idx="1">
+            <a:schemeClr val="accent1"/>
+          </a:lnRef>
+          <a:fillRef idx="0">
+            <a:schemeClr val="accent1"/>
+          </a:fillRef>
+          <a:effectRef idx="0">
+            <a:schemeClr val="accent1"/>
+          </a:effectRef>
+          <a:fontRef idx="minor">
+            <a:schemeClr val="tx1"/>
+          </a:fontRef>
+        </p:style>
+      </p:cxnSp>
+      <p:sp>
+        <p:nvSpPr>
+          <p:cNvPr id="65" name="文本框 64">
+            <a:extLst>
+              <a:ext uri="{FF2B5EF4-FFF2-40B4-BE49-F238E27FC236}">
+                <a16:creationId xmlns:a16="http://schemas.microsoft.com/office/drawing/2014/main" id="{D7FCB9FF-7AF2-F40D-E4A0-22BA8B69C9B0}"/>
+              </a:ext>
+            </a:extLst>
+          </p:cNvPr>
+          <p:cNvSpPr txBox="1"/>
+          <p:nvPr/>
+        </p:nvSpPr>
+        <p:spPr>
+          <a:xfrm>
+            <a:off x="1773350" y="329383"/>
+            <a:ext cx="1346844" cy="369332"/>
+          </a:xfrm>
+          <a:prstGeom prst="rect">
+            <a:avLst/>
+          </a:prstGeom>
+          <a:noFill/>
+        </p:spPr>
+        <p:txBody>
+          <a:bodyPr wrap="none" rtlCol="0">
+            <a:spAutoFit/>
+          </a:bodyPr>
+          <a:lstStyle/>
+          <a:p>
+            <a:r>
+              <a:rPr kumimoji="1" lang="en-US" altLang="zh-CN" dirty="0"/>
+              <a:t>Python</a:t>
+            </a:r>
+            <a:r>
+              <a:rPr kumimoji="1" lang="zh-CN" altLang="en-US" dirty="0"/>
+              <a:t>代码</a:t>
+            </a:r>
+          </a:p>
+        </p:txBody>
+      </p:sp>
+      <p:sp>
+        <p:nvSpPr>
+          <p:cNvPr id="66" name="文本框 65">
+            <a:extLst>
+              <a:ext uri="{FF2B5EF4-FFF2-40B4-BE49-F238E27FC236}">
+                <a16:creationId xmlns:a16="http://schemas.microsoft.com/office/drawing/2014/main" id="{18131498-F466-2A1E-90ED-E78B27A22A2B}"/>
+              </a:ext>
+            </a:extLst>
+          </p:cNvPr>
+          <p:cNvSpPr txBox="1"/>
+          <p:nvPr/>
+        </p:nvSpPr>
+        <p:spPr>
+          <a:xfrm>
+            <a:off x="8011608" y="329383"/>
+            <a:ext cx="1096775" cy="369332"/>
+          </a:xfrm>
+          <a:prstGeom prst="rect">
+            <a:avLst/>
+          </a:prstGeom>
+          <a:noFill/>
+        </p:spPr>
+        <p:txBody>
+          <a:bodyPr wrap="none" rtlCol="0">
+            <a:spAutoFit/>
+          </a:bodyPr>
+          <a:lstStyle/>
+          <a:p>
+            <a:r>
+              <a:rPr kumimoji="1" lang="en-US" altLang="zh-CN" dirty="0"/>
+              <a:t>C++</a:t>
+            </a:r>
+            <a:r>
+              <a:rPr kumimoji="1" lang="zh-CN" altLang="en-US" dirty="0"/>
+              <a:t>代码</a:t>
             </a:r>
           </a:p>
         </p:txBody>
